--- a/Docs/EstructuraAnalizador.pptx
+++ b/Docs/EstructuraAnalizador.pptx
@@ -1515,7 +1515,7 @@
       <dgm:spPr/>
     </dgm:pt>
     <dgm:pt modelId="{B9895A3E-E149-4335-BC42-2E4E33A6FD1D}" type="pres">
-      <dgm:prSet presAssocID="{A231CCD6-7EEE-4E59-8AEA-6AD018BBBDEA}" presName="LevelTwoTextNode" presStyleLbl="node4" presStyleIdx="0" presStyleCnt="2">
+      <dgm:prSet presAssocID="{A231CCD6-7EEE-4E59-8AEA-6AD018BBBDEA}" presName="LevelTwoTextNode" presStyleLbl="node4" presStyleIdx="0" presStyleCnt="2" custLinFactNeighborX="5561" custLinFactNeighborY="7296">
         <dgm:presLayoutVars>
           <dgm:chPref val="3"/>
         </dgm:presLayoutVars>
@@ -1686,10 +1686,10 @@
     <dgm:cxn modelId="{BF03D438-2ACE-423B-A4B1-0AC541CCEE52}" type="presOf" srcId="{DDAF9E57-FB72-4EE7-A482-CBBE1F10535C}" destId="{1A58E947-AC6B-4F3B-91C8-09110243474D}" srcOrd="0" destOrd="0" presId="urn:microsoft.com/office/officeart/2008/layout/HorizontalMultiLevelHierarchy"/>
     <dgm:cxn modelId="{01CC253A-56F4-4443-A4B6-56C57F16A2AF}" srcId="{7B8F0001-7A74-4D9E-8558-9DE3792C9687}" destId="{106372F3-6A1A-4D73-BDED-F0310FE1B644}" srcOrd="0" destOrd="0" parTransId="{9F74AAE6-F155-4710-9133-310B88A8E6A5}" sibTransId="{607D9BA8-8283-4B51-9745-04AEF12BD0FD}"/>
     <dgm:cxn modelId="{76AF343A-9814-4A17-9D01-FF3AD4D3D529}" srcId="{DDAF9E57-FB72-4EE7-A482-CBBE1F10535C}" destId="{7710E434-6CCA-49BF-9E80-DC209B2A3CC5}" srcOrd="1" destOrd="0" parTransId="{C1EF4435-5E86-4E53-9554-21EFB976C250}" sibTransId="{072DF914-D43E-43FE-BDE1-9CC18D7088C2}"/>
+    <dgm:cxn modelId="{36E80545-320A-4972-AA95-3B49A69417DE}" type="presOf" srcId="{480F65E9-8F6E-425B-ACE5-C9A2115EDEB1}" destId="{BAC26FDA-CEC4-461D-9B2A-0C768CD153CB}" srcOrd="0" destOrd="0" presId="urn:microsoft.com/office/officeart/2008/layout/HorizontalMultiLevelHierarchy"/>
     <dgm:cxn modelId="{FD4A0962-1447-4070-97C6-62495E089D26}" type="presOf" srcId="{F2C2E2FD-EB2C-4324-83E2-0BDFF20A6FD1}" destId="{31D452F7-D391-48D1-A684-5B74A9BBCEFF}" srcOrd="1" destOrd="0" presId="urn:microsoft.com/office/officeart/2008/layout/HorizontalMultiLevelHierarchy"/>
     <dgm:cxn modelId="{0EAEF062-9DED-437D-AE13-1361C5566C6F}" type="presOf" srcId="{CC39B9D7-A5B6-42D3-BFB8-EF59BFAB48A9}" destId="{E1D4519D-6BD1-4FE7-AD6D-C32359A38461}" srcOrd="1" destOrd="0" presId="urn:microsoft.com/office/officeart/2008/layout/HorizontalMultiLevelHierarchy"/>
     <dgm:cxn modelId="{C17C9F64-D0DC-4673-B1FB-2B8B98CA7414}" type="presOf" srcId="{C9BE22B4-F3FF-4830-9B7C-7F514772FD21}" destId="{91316B8A-74A2-40DD-A073-8D8EC80134D7}" srcOrd="0" destOrd="0" presId="urn:microsoft.com/office/officeart/2008/layout/HorizontalMultiLevelHierarchy"/>
-    <dgm:cxn modelId="{36E80545-320A-4972-AA95-3B49A69417DE}" type="presOf" srcId="{480F65E9-8F6E-425B-ACE5-C9A2115EDEB1}" destId="{BAC26FDA-CEC4-461D-9B2A-0C768CD153CB}" srcOrd="0" destOrd="0" presId="urn:microsoft.com/office/officeart/2008/layout/HorizontalMultiLevelHierarchy"/>
     <dgm:cxn modelId="{F637A469-2002-4282-A9C8-F0779C7B72D5}" srcId="{56171318-C81F-44CB-B27D-0EF5EFF8FD66}" destId="{A231CCD6-7EEE-4E59-8AEA-6AD018BBBDEA}" srcOrd="0" destOrd="0" parTransId="{0599BDAB-0B85-4FE6-9CDA-A18671B2C7DB}" sibTransId="{66E15029-2252-4329-A0A9-C5732DC309F5}"/>
     <dgm:cxn modelId="{E9D7A56B-C7F3-4F17-9310-452310FE3EA7}" type="presOf" srcId="{CC39B9D7-A5B6-42D3-BFB8-EF59BFAB48A9}" destId="{8132E896-4FF7-469E-B790-B7804AF4C7F9}" srcOrd="0" destOrd="0" presId="urn:microsoft.com/office/officeart/2008/layout/HorizontalMultiLevelHierarchy"/>
     <dgm:cxn modelId="{FBDABD74-7A36-4DE8-B0D3-812F18D73ED2}" type="presOf" srcId="{0599BDAB-0B85-4FE6-9CDA-A18671B2C7DB}" destId="{7C8DA0B7-6A8B-4B51-8AA2-7C7F12756D0B}" srcOrd="1" destOrd="0" presId="urn:microsoft.com/office/officeart/2008/layout/HorizontalMultiLevelHierarchy"/>
@@ -1794,8 +1794,8 @@
       </dsp:nvSpPr>
       <dsp:spPr>
         <a:xfrm>
-          <a:off x="8445080" y="5762818"/>
-          <a:ext cx="624390" cy="91440"/>
+          <a:off x="9099860" y="5947328"/>
+          <a:ext cx="672806" cy="91440"/>
         </a:xfrm>
         <a:custGeom>
           <a:avLst/>
@@ -1809,7 +1809,7 @@
                 <a:pt x="0" y="45720"/>
               </a:moveTo>
               <a:lnTo>
-                <a:pt x="624390" y="45720"/>
+                <a:pt x="672806" y="45720"/>
               </a:lnTo>
             </a:path>
           </a:pathLst>
@@ -1864,8 +1864,8 @@
         </a:p>
       </dsp:txBody>
       <dsp:txXfrm>
-        <a:off x="8741666" y="5792928"/>
-        <a:ext cx="31219" cy="31219"/>
+        <a:off x="9419443" y="5976227"/>
+        <a:ext cx="33640" cy="33640"/>
       </dsp:txXfrm>
     </dsp:sp>
     <dsp:sp modelId="{1318CB46-A33C-4A5A-A07B-B7C634F0D7BA}">
@@ -1875,8 +1875,8 @@
       </dsp:nvSpPr>
       <dsp:spPr>
         <a:xfrm>
-          <a:off x="4698735" y="5213653"/>
-          <a:ext cx="624390" cy="594884"/>
+          <a:off x="5063023" y="5352036"/>
+          <a:ext cx="672806" cy="641012"/>
         </a:xfrm>
         <a:custGeom>
           <a:avLst/>
@@ -1890,13 +1890,13 @@
                 <a:pt x="0" y="0"/>
               </a:moveTo>
               <a:lnTo>
-                <a:pt x="312195" y="0"/>
+                <a:pt x="336403" y="0"/>
               </a:lnTo>
               <a:lnTo>
-                <a:pt x="312195" y="594884"/>
+                <a:pt x="336403" y="641012"/>
               </a:lnTo>
               <a:lnTo>
-                <a:pt x="624390" y="594884"/>
+                <a:pt x="672806" y="641012"/>
               </a:lnTo>
             </a:path>
           </a:pathLst>
@@ -1951,8 +1951,8 @@
         </a:p>
       </dsp:txBody>
       <dsp:txXfrm>
-        <a:off x="4989370" y="5489535"/>
-        <a:ext cx="43120" cy="43120"/>
+        <a:off x="5376194" y="5649310"/>
+        <a:ext cx="46464" cy="46464"/>
       </dsp:txXfrm>
     </dsp:sp>
     <dsp:sp modelId="{8132E896-4FF7-469E-B790-B7804AF4C7F9}">
@@ -1962,8 +1962,8 @@
       </dsp:nvSpPr>
       <dsp:spPr>
         <a:xfrm>
-          <a:off x="4698735" y="4618769"/>
-          <a:ext cx="624390" cy="594884"/>
+          <a:off x="5063023" y="4711024"/>
+          <a:ext cx="672806" cy="641012"/>
         </a:xfrm>
         <a:custGeom>
           <a:avLst/>
@@ -1974,16 +1974,16 @@
           <a:pathLst>
             <a:path>
               <a:moveTo>
-                <a:pt x="0" y="594884"/>
+                <a:pt x="0" y="641012"/>
               </a:moveTo>
               <a:lnTo>
-                <a:pt x="312195" y="594884"/>
+                <a:pt x="336403" y="641012"/>
               </a:lnTo>
               <a:lnTo>
-                <a:pt x="312195" y="0"/>
+                <a:pt x="336403" y="0"/>
               </a:lnTo>
               <a:lnTo>
-                <a:pt x="624390" y="0"/>
+                <a:pt x="672806" y="0"/>
               </a:lnTo>
             </a:path>
           </a:pathLst>
@@ -2038,8 +2038,8 @@
         </a:p>
       </dsp:txBody>
       <dsp:txXfrm>
-        <a:off x="4989370" y="4894651"/>
-        <a:ext cx="43120" cy="43120"/>
+        <a:off x="5376194" y="5008298"/>
+        <a:ext cx="46464" cy="46464"/>
       </dsp:txXfrm>
     </dsp:sp>
     <dsp:sp modelId="{58F812C7-BD07-4E19-B983-294A39D35090}">
@@ -2049,8 +2049,8 @@
       </dsp:nvSpPr>
       <dsp:spPr>
         <a:xfrm>
-          <a:off x="952389" y="3429000"/>
-          <a:ext cx="624390" cy="1784653"/>
+          <a:off x="1026186" y="3428999"/>
+          <a:ext cx="672806" cy="1923036"/>
         </a:xfrm>
         <a:custGeom>
           <a:avLst/>
@@ -2064,13 +2064,13 @@
                 <a:pt x="0" y="0"/>
               </a:moveTo>
               <a:lnTo>
-                <a:pt x="312195" y="0"/>
+                <a:pt x="336403" y="0"/>
               </a:lnTo>
               <a:lnTo>
-                <a:pt x="312195" y="1784653"/>
+                <a:pt x="336403" y="1923036"/>
               </a:lnTo>
               <a:lnTo>
-                <a:pt x="624390" y="1784653"/>
+                <a:pt x="672806" y="1923036"/>
               </a:lnTo>
             </a:path>
           </a:pathLst>
@@ -2109,7 +2109,7 @@
         </a:bodyPr>
         <a:lstStyle/>
         <a:p>
-          <a:pPr marL="0" lvl="0" indent="0" algn="ctr" defTabSz="266700">
+          <a:pPr marL="0" lvl="0" indent="0" algn="ctr" defTabSz="311150">
             <a:lnSpc>
               <a:spcPct val="90000"/>
             </a:lnSpc>
@@ -2121,12 +2121,12 @@
             </a:spcAft>
             <a:buNone/>
           </a:pPr>
-          <a:endParaRPr lang="es-CO" sz="600" kern="1200"/>
+          <a:endParaRPr lang="es-CO" sz="700" kern="1200"/>
         </a:p>
       </dsp:txBody>
       <dsp:txXfrm>
-        <a:off x="1217316" y="4274058"/>
-        <a:ext cx="94536" cy="94536"/>
+        <a:off x="1311655" y="4339584"/>
+        <a:ext cx="101866" cy="101866"/>
       </dsp:txXfrm>
     </dsp:sp>
     <dsp:sp modelId="{A1FEC156-8007-4163-BF8A-1744077175A1}">
@@ -2136,8 +2136,8 @@
       </dsp:nvSpPr>
       <dsp:spPr>
         <a:xfrm>
-          <a:off x="4698735" y="3383280"/>
-          <a:ext cx="624390" cy="91440"/>
+          <a:off x="5063023" y="3383280"/>
+          <a:ext cx="672806" cy="91440"/>
         </a:xfrm>
         <a:custGeom>
           <a:avLst/>
@@ -2151,7 +2151,7 @@
                 <a:pt x="0" y="45720"/>
               </a:moveTo>
               <a:lnTo>
-                <a:pt x="624390" y="45720"/>
+                <a:pt x="672806" y="45720"/>
               </a:lnTo>
             </a:path>
           </a:pathLst>
@@ -2206,8 +2206,8 @@
         </a:p>
       </dsp:txBody>
       <dsp:txXfrm>
-        <a:off x="4995320" y="3413390"/>
-        <a:ext cx="31219" cy="31219"/>
+        <a:off x="5382606" y="3412179"/>
+        <a:ext cx="33640" cy="33640"/>
       </dsp:txXfrm>
     </dsp:sp>
     <dsp:sp modelId="{91316B8A-74A2-40DD-A073-8D8EC80134D7}">
@@ -2217,8 +2217,8 @@
       </dsp:nvSpPr>
       <dsp:spPr>
         <a:xfrm>
-          <a:off x="952389" y="3383280"/>
-          <a:ext cx="624390" cy="91440"/>
+          <a:off x="1026186" y="3383280"/>
+          <a:ext cx="672806" cy="91440"/>
         </a:xfrm>
         <a:custGeom>
           <a:avLst/>
@@ -2232,7 +2232,7 @@
                 <a:pt x="0" y="45720"/>
               </a:moveTo>
               <a:lnTo>
-                <a:pt x="624390" y="45720"/>
+                <a:pt x="672806" y="45720"/>
               </a:lnTo>
             </a:path>
           </a:pathLst>
@@ -2287,8 +2287,8 @@
         </a:p>
       </dsp:txBody>
       <dsp:txXfrm>
-        <a:off x="1248975" y="3413390"/>
-        <a:ext cx="31219" cy="31219"/>
+        <a:off x="1345768" y="3412179"/>
+        <a:ext cx="33640" cy="33640"/>
       </dsp:txXfrm>
     </dsp:sp>
     <dsp:sp modelId="{926273B6-1608-4957-9435-2F2C57F7750E}">
@@ -2298,8 +2298,8 @@
       </dsp:nvSpPr>
       <dsp:spPr>
         <a:xfrm>
-          <a:off x="8445080" y="2193510"/>
-          <a:ext cx="624390" cy="91440"/>
+          <a:off x="9099860" y="2101255"/>
+          <a:ext cx="673373" cy="91440"/>
         </a:xfrm>
         <a:custGeom>
           <a:avLst/>
@@ -2313,7 +2313,13 @@
                 <a:pt x="0" y="45720"/>
               </a:moveTo>
               <a:lnTo>
-                <a:pt x="624390" y="45720"/>
+                <a:pt x="336686" y="45720"/>
+              </a:lnTo>
+              <a:lnTo>
+                <a:pt x="336686" y="120549"/>
+              </a:lnTo>
+              <a:lnTo>
+                <a:pt x="673373" y="120549"/>
               </a:lnTo>
             </a:path>
           </a:pathLst>
@@ -2368,8 +2374,8 @@
         </a:p>
       </dsp:txBody>
       <dsp:txXfrm>
-        <a:off x="8741666" y="2223620"/>
-        <a:ext cx="31219" cy="31219"/>
+        <a:off x="9419609" y="2130037"/>
+        <a:ext cx="33875" cy="33875"/>
       </dsp:txXfrm>
     </dsp:sp>
     <dsp:sp modelId="{973B2433-C071-4374-AC4A-4DB888D9C9B2}">
@@ -2379,8 +2385,8 @@
       </dsp:nvSpPr>
       <dsp:spPr>
         <a:xfrm>
-          <a:off x="4698735" y="1644346"/>
-          <a:ext cx="624390" cy="594884"/>
+          <a:off x="5063023" y="1505963"/>
+          <a:ext cx="672806" cy="641012"/>
         </a:xfrm>
         <a:custGeom>
           <a:avLst/>
@@ -2394,13 +2400,13 @@
                 <a:pt x="0" y="0"/>
               </a:moveTo>
               <a:lnTo>
-                <a:pt x="312195" y="0"/>
+                <a:pt x="336403" y="0"/>
               </a:lnTo>
               <a:lnTo>
-                <a:pt x="312195" y="594884"/>
+                <a:pt x="336403" y="641012"/>
               </a:lnTo>
               <a:lnTo>
-                <a:pt x="624390" y="594884"/>
+                <a:pt x="672806" y="641012"/>
               </a:lnTo>
             </a:path>
           </a:pathLst>
@@ -2455,8 +2461,8 @@
         </a:p>
       </dsp:txBody>
       <dsp:txXfrm>
-        <a:off x="4989370" y="1920228"/>
-        <a:ext cx="43120" cy="43120"/>
+        <a:off x="5376194" y="1803237"/>
+        <a:ext cx="46464" cy="46464"/>
       </dsp:txXfrm>
     </dsp:sp>
     <dsp:sp modelId="{2642C7C9-A59F-406C-8253-9859CFADE5D1}">
@@ -2466,8 +2472,8 @@
       </dsp:nvSpPr>
       <dsp:spPr>
         <a:xfrm>
-          <a:off x="4698735" y="1049461"/>
-          <a:ext cx="624390" cy="594884"/>
+          <a:off x="5063023" y="864951"/>
+          <a:ext cx="672806" cy="641012"/>
         </a:xfrm>
         <a:custGeom>
           <a:avLst/>
@@ -2478,16 +2484,16 @@
           <a:pathLst>
             <a:path>
               <a:moveTo>
-                <a:pt x="0" y="594884"/>
+                <a:pt x="0" y="641012"/>
               </a:moveTo>
               <a:lnTo>
-                <a:pt x="312195" y="594884"/>
+                <a:pt x="336403" y="641012"/>
               </a:lnTo>
               <a:lnTo>
-                <a:pt x="312195" y="0"/>
+                <a:pt x="336403" y="0"/>
               </a:lnTo>
               <a:lnTo>
-                <a:pt x="624390" y="0"/>
+                <a:pt x="672806" y="0"/>
               </a:lnTo>
             </a:path>
           </a:pathLst>
@@ -2542,8 +2548,8 @@
         </a:p>
       </dsp:txBody>
       <dsp:txXfrm>
-        <a:off x="4989370" y="1325343"/>
-        <a:ext cx="43120" cy="43120"/>
+        <a:off x="5376194" y="1162225"/>
+        <a:ext cx="46464" cy="46464"/>
       </dsp:txXfrm>
     </dsp:sp>
     <dsp:sp modelId="{F70EB4E8-8223-43C3-A3A5-0C02ED5256F0}">
@@ -2553,8 +2559,8 @@
       </dsp:nvSpPr>
       <dsp:spPr>
         <a:xfrm>
-          <a:off x="952389" y="1644346"/>
-          <a:ext cx="624390" cy="1784653"/>
+          <a:off x="1026186" y="1505963"/>
+          <a:ext cx="672806" cy="1923036"/>
         </a:xfrm>
         <a:custGeom>
           <a:avLst/>
@@ -2565,16 +2571,16 @@
           <a:pathLst>
             <a:path>
               <a:moveTo>
-                <a:pt x="0" y="1784653"/>
+                <a:pt x="0" y="1923036"/>
               </a:moveTo>
               <a:lnTo>
-                <a:pt x="312195" y="1784653"/>
+                <a:pt x="336403" y="1923036"/>
               </a:lnTo>
               <a:lnTo>
-                <a:pt x="312195" y="0"/>
+                <a:pt x="336403" y="0"/>
               </a:lnTo>
               <a:lnTo>
-                <a:pt x="624390" y="0"/>
+                <a:pt x="672806" y="0"/>
               </a:lnTo>
             </a:path>
           </a:pathLst>
@@ -2613,7 +2619,7 @@
         </a:bodyPr>
         <a:lstStyle/>
         <a:p>
-          <a:pPr marL="0" lvl="0" indent="0" algn="ctr" defTabSz="266700">
+          <a:pPr marL="0" lvl="0" indent="0" algn="ctr" defTabSz="311150">
             <a:lnSpc>
               <a:spcPct val="90000"/>
             </a:lnSpc>
@@ -2625,12 +2631,12 @@
             </a:spcAft>
             <a:buNone/>
           </a:pPr>
-          <a:endParaRPr lang="es-CO" sz="600" kern="1200"/>
+          <a:endParaRPr lang="es-CO" sz="700" kern="1200"/>
         </a:p>
       </dsp:txBody>
       <dsp:txXfrm>
-        <a:off x="1217316" y="2489404"/>
-        <a:ext cx="94536" cy="94536"/>
+        <a:off x="1311655" y="2416548"/>
+        <a:ext cx="101866" cy="101866"/>
       </dsp:txXfrm>
     </dsp:sp>
     <dsp:sp modelId="{BFB691C1-3C9F-4434-AAB0-2831CAE089D4}">
@@ -2640,8 +2646,8 @@
       </dsp:nvSpPr>
       <dsp:spPr>
         <a:xfrm rot="16200000">
-          <a:off x="-2028295" y="2953092"/>
-          <a:ext cx="5009554" cy="951815"/>
+          <a:off x="-2185621" y="2916190"/>
+          <a:ext cx="5397996" cy="1025619"/>
         </a:xfrm>
         <a:prstGeom prst="rect">
           <a:avLst/>
@@ -2683,12 +2689,12 @@
         </a:fontRef>
       </dsp:style>
       <dsp:txBody>
-        <a:bodyPr spcFirstLastPara="0" vert="horz" wrap="square" lIns="39370" tIns="39370" rIns="39370" bIns="39370" numCol="1" spcCol="1270" anchor="ctr" anchorCtr="0">
+        <a:bodyPr spcFirstLastPara="0" vert="horz" wrap="square" lIns="41275" tIns="41275" rIns="41275" bIns="41275" numCol="1" spcCol="1270" anchor="ctr" anchorCtr="0">
           <a:noAutofit/>
         </a:bodyPr>
         <a:lstStyle/>
         <a:p>
-          <a:pPr marL="0" lvl="0" indent="0" algn="ctr" defTabSz="2755900">
+          <a:pPr marL="0" lvl="0" indent="0" algn="ctr" defTabSz="2889250">
             <a:lnSpc>
               <a:spcPct val="90000"/>
             </a:lnSpc>
@@ -2701,15 +2707,15 @@
             <a:buNone/>
           </a:pPr>
           <a:r>
-            <a:rPr lang="es-CO" sz="6200" kern="1200" dirty="0" err="1"/>
+            <a:rPr lang="es-CO" sz="6500" kern="1200" dirty="0" err="1"/>
             <a:t>analyzer</a:t>
           </a:r>
-          <a:endParaRPr lang="es-CO" sz="6200" kern="1200" dirty="0"/>
+          <a:endParaRPr lang="es-CO" sz="6500" kern="1200" dirty="0"/>
         </a:p>
       </dsp:txBody>
       <dsp:txXfrm>
-        <a:off x="-2028295" y="2953092"/>
-        <a:ext cx="5009554" cy="951815"/>
+        <a:off x="-2185621" y="2916190"/>
+        <a:ext cx="5397996" cy="1025619"/>
       </dsp:txXfrm>
     </dsp:sp>
     <dsp:sp modelId="{A5FAD26D-3BA4-40C4-A6BE-7314AFB76614}">
@@ -2719,8 +2725,8 @@
       </dsp:nvSpPr>
       <dsp:spPr>
         <a:xfrm>
-          <a:off x="1576780" y="1168438"/>
-          <a:ext cx="3121954" cy="951815"/>
+          <a:off x="1698992" y="993154"/>
+          <a:ext cx="3364031" cy="1025619"/>
         </a:xfrm>
         <a:prstGeom prst="rect">
           <a:avLst/>
@@ -2762,12 +2768,12 @@
         </a:fontRef>
       </dsp:style>
       <dsp:txBody>
-        <a:bodyPr spcFirstLastPara="0" vert="horz" wrap="square" lIns="17145" tIns="17145" rIns="17145" bIns="17145" numCol="1" spcCol="1270" anchor="ctr" anchorCtr="0">
+        <a:bodyPr spcFirstLastPara="0" vert="horz" wrap="square" lIns="19050" tIns="19050" rIns="19050" bIns="19050" numCol="1" spcCol="1270" anchor="ctr" anchorCtr="0">
           <a:noAutofit/>
         </a:bodyPr>
         <a:lstStyle/>
         <a:p>
-          <a:pPr marL="0" lvl="0" indent="0" algn="ctr" defTabSz="1200150">
+          <a:pPr marL="0" lvl="0" indent="0" algn="ctr" defTabSz="1333500">
             <a:lnSpc>
               <a:spcPct val="90000"/>
             </a:lnSpc>
@@ -2780,26 +2786,26 @@
             <a:buNone/>
           </a:pPr>
           <a:r>
-            <a:rPr lang="es-CO" sz="2700" kern="1200" dirty="0" err="1"/>
+            <a:rPr lang="es-CO" sz="3000" kern="1200" dirty="0" err="1"/>
             <a:t>Landings</a:t>
           </a:r>
           <a:r>
-            <a:rPr lang="es-CO" sz="2700" kern="1200" dirty="0"/>
+            <a:rPr lang="es-CO" sz="3000" kern="1200" dirty="0"/>
             <a:t> (</a:t>
           </a:r>
           <a:r>
-            <a:rPr lang="es-CO" sz="2700" kern="1200" dirty="0" err="1"/>
+            <a:rPr lang="es-CO" sz="3000" kern="1200" dirty="0" err="1"/>
             <a:t>map</a:t>
           </a:r>
           <a:r>
-            <a:rPr lang="es-CO" sz="2700" kern="1200" dirty="0"/>
+            <a:rPr lang="es-CO" sz="3000" kern="1200" dirty="0"/>
             <a:t>)</a:t>
           </a:r>
         </a:p>
       </dsp:txBody>
       <dsp:txXfrm>
-        <a:off x="1576780" y="1168438"/>
-        <a:ext cx="3121954" cy="951815"/>
+        <a:off x="1698992" y="993154"/>
+        <a:ext cx="3364031" cy="1025619"/>
       </dsp:txXfrm>
     </dsp:sp>
     <dsp:sp modelId="{64C80AAF-D80C-44D9-B30C-8D2F8D440620}">
@@ -2809,8 +2815,8 @@
       </dsp:nvSpPr>
       <dsp:spPr>
         <a:xfrm>
-          <a:off x="5323125" y="573553"/>
-          <a:ext cx="3121954" cy="951815"/>
+          <a:off x="5735829" y="352142"/>
+          <a:ext cx="3364031" cy="1025619"/>
         </a:xfrm>
         <a:prstGeom prst="rect">
           <a:avLst/>
@@ -2852,12 +2858,12 @@
         </a:fontRef>
       </dsp:style>
       <dsp:txBody>
-        <a:bodyPr spcFirstLastPara="0" vert="horz" wrap="square" lIns="17145" tIns="17145" rIns="17145" bIns="17145" numCol="1" spcCol="1270" anchor="ctr" anchorCtr="0">
+        <a:bodyPr spcFirstLastPara="0" vert="horz" wrap="square" lIns="19050" tIns="19050" rIns="19050" bIns="19050" numCol="1" spcCol="1270" anchor="ctr" anchorCtr="0">
           <a:noAutofit/>
         </a:bodyPr>
         <a:lstStyle/>
         <a:p>
-          <a:pPr marL="0" lvl="0" indent="0" algn="ctr" defTabSz="1200150">
+          <a:pPr marL="0" lvl="0" indent="0" algn="ctr" defTabSz="1333500">
             <a:lnSpc>
               <a:spcPct val="90000"/>
             </a:lnSpc>
@@ -2870,27 +2876,27 @@
             <a:buNone/>
           </a:pPr>
           <a:r>
-            <a:rPr lang="es-CO" sz="2700" kern="1200" dirty="0"/>
+            <a:rPr lang="es-CO" sz="3000" kern="1200" dirty="0"/>
             <a:t>Key (</a:t>
           </a:r>
           <a:r>
-            <a:rPr lang="es-CO" sz="2700" kern="1200" dirty="0" err="1"/>
+            <a:rPr lang="es-CO" sz="3000" kern="1200" dirty="0" err="1"/>
             <a:t>str</a:t>
           </a:r>
           <a:r>
-            <a:rPr lang="es-CO" sz="2700" kern="1200" dirty="0"/>
+            <a:rPr lang="es-CO" sz="3000" kern="1200" dirty="0"/>
             <a:t>): </a:t>
           </a:r>
           <a:r>
-            <a:rPr lang="es-CO" sz="2700" kern="1200" dirty="0" err="1"/>
+            <a:rPr lang="es-CO" sz="3000" kern="1200" dirty="0" err="1"/>
             <a:t>landing_point_id</a:t>
           </a:r>
-          <a:endParaRPr lang="es-CO" sz="2700" kern="1200" dirty="0"/>
+          <a:endParaRPr lang="es-CO" sz="3000" kern="1200" dirty="0"/>
         </a:p>
       </dsp:txBody>
       <dsp:txXfrm>
-        <a:off x="5323125" y="573553"/>
-        <a:ext cx="3121954" cy="951815"/>
+        <a:off x="5735829" y="352142"/>
+        <a:ext cx="3364031" cy="1025619"/>
       </dsp:txXfrm>
     </dsp:sp>
     <dsp:sp modelId="{6BBBB4A1-A899-43F8-BCB7-832A2588C324}">
@@ -2900,8 +2906,8 @@
       </dsp:nvSpPr>
       <dsp:spPr>
         <a:xfrm>
-          <a:off x="5323125" y="1763323"/>
-          <a:ext cx="3121954" cy="951815"/>
+          <a:off x="5735829" y="1634166"/>
+          <a:ext cx="3364031" cy="1025619"/>
         </a:xfrm>
         <a:prstGeom prst="rect">
           <a:avLst/>
@@ -2943,12 +2949,12 @@
         </a:fontRef>
       </dsp:style>
       <dsp:txBody>
-        <a:bodyPr spcFirstLastPara="0" vert="horz" wrap="square" lIns="17145" tIns="17145" rIns="17145" bIns="17145" numCol="1" spcCol="1270" anchor="ctr" anchorCtr="0">
+        <a:bodyPr spcFirstLastPara="0" vert="horz" wrap="square" lIns="19050" tIns="19050" rIns="19050" bIns="19050" numCol="1" spcCol="1270" anchor="ctr" anchorCtr="0">
           <a:noAutofit/>
         </a:bodyPr>
         <a:lstStyle/>
         <a:p>
-          <a:pPr marL="0" lvl="0" indent="0" algn="ctr" defTabSz="1200150">
+          <a:pPr marL="0" lvl="0" indent="0" algn="ctr" defTabSz="1333500">
             <a:lnSpc>
               <a:spcPct val="90000"/>
             </a:lnSpc>
@@ -2961,22 +2967,22 @@
             <a:buNone/>
           </a:pPr>
           <a:r>
-            <a:rPr lang="es-CO" sz="2700" kern="1200" dirty="0"/>
+            <a:rPr lang="es-CO" sz="3000" kern="1200" dirty="0"/>
             <a:t>Val (</a:t>
           </a:r>
           <a:r>
-            <a:rPr lang="es-CO" sz="2700" kern="1200" dirty="0" err="1"/>
+            <a:rPr lang="es-CO" sz="3000" kern="1200" dirty="0" err="1"/>
             <a:t>dict</a:t>
           </a:r>
           <a:r>
-            <a:rPr lang="es-CO" sz="2700" kern="1200" dirty="0"/>
+            <a:rPr lang="es-CO" sz="3000" kern="1200" dirty="0"/>
             <a:t>)</a:t>
           </a:r>
         </a:p>
       </dsp:txBody>
       <dsp:txXfrm>
-        <a:off x="5323125" y="1763323"/>
-        <a:ext cx="3121954" cy="951815"/>
+        <a:off x="5735829" y="1634166"/>
+        <a:ext cx="3364031" cy="1025619"/>
       </dsp:txXfrm>
     </dsp:sp>
     <dsp:sp modelId="{B9895A3E-E149-4335-BC42-2E4E33A6FD1D}">
@@ -2986,8 +2992,8 @@
       </dsp:nvSpPr>
       <dsp:spPr>
         <a:xfrm>
-          <a:off x="9069471" y="1763323"/>
-          <a:ext cx="3121954" cy="951815"/>
+          <a:off x="9773233" y="1708995"/>
+          <a:ext cx="3364031" cy="1025619"/>
         </a:xfrm>
         <a:prstGeom prst="rect">
           <a:avLst/>
@@ -3029,12 +3035,12 @@
         </a:fontRef>
       </dsp:style>
       <dsp:txBody>
-        <a:bodyPr spcFirstLastPara="0" vert="horz" wrap="square" lIns="17145" tIns="17145" rIns="17145" bIns="17145" numCol="1" spcCol="1270" anchor="ctr" anchorCtr="0">
+        <a:bodyPr spcFirstLastPara="0" vert="horz" wrap="square" lIns="19050" tIns="19050" rIns="19050" bIns="19050" numCol="1" spcCol="1270" anchor="ctr" anchorCtr="0">
           <a:noAutofit/>
         </a:bodyPr>
         <a:lstStyle/>
         <a:p>
-          <a:pPr marL="0" lvl="0" indent="0" algn="ctr" defTabSz="1200150">
+          <a:pPr marL="0" lvl="0" indent="0" algn="ctr" defTabSz="1333500">
             <a:lnSpc>
               <a:spcPct val="90000"/>
             </a:lnSpc>
@@ -3047,27 +3053,27 @@
             <a:buNone/>
           </a:pPr>
           <a:r>
-            <a:rPr lang="es-CO" sz="2700" kern="1200" dirty="0"/>
+            <a:rPr lang="es-CO" sz="3000" kern="1200" dirty="0"/>
             <a:t>Info + </a:t>
           </a:r>
           <a:r>
-            <a:rPr lang="es-CO" sz="2700" kern="1200" dirty="0" err="1"/>
+            <a:rPr lang="es-CO" sz="3000" kern="1200" dirty="0" err="1"/>
             <a:t>connections</a:t>
           </a:r>
           <a:r>
-            <a:rPr lang="es-CO" sz="2700" kern="1200" dirty="0"/>
+            <a:rPr lang="es-CO" sz="3000" kern="1200" dirty="0"/>
             <a:t> </a:t>
           </a:r>
           <a:r>
-            <a:rPr lang="es-CO" sz="2700" kern="1200" dirty="0" err="1"/>
+            <a:rPr lang="es-CO" sz="3000" kern="1200" dirty="0" err="1"/>
             <a:t>list</a:t>
           </a:r>
-          <a:endParaRPr lang="es-CO" sz="2700" kern="1200" dirty="0"/>
+          <a:endParaRPr lang="es-CO" sz="3000" kern="1200" dirty="0"/>
         </a:p>
       </dsp:txBody>
       <dsp:txXfrm>
-        <a:off x="9069471" y="1763323"/>
-        <a:ext cx="3121954" cy="951815"/>
+        <a:off x="9773233" y="1708995"/>
+        <a:ext cx="3364031" cy="1025619"/>
       </dsp:txXfrm>
     </dsp:sp>
     <dsp:sp modelId="{27C9024A-83AA-4E5F-AB98-29BC856555DC}">
@@ -3077,8 +3083,8 @@
       </dsp:nvSpPr>
       <dsp:spPr>
         <a:xfrm>
-          <a:off x="1576780" y="2953092"/>
-          <a:ext cx="3121954" cy="951815"/>
+          <a:off x="1698992" y="2916190"/>
+          <a:ext cx="3364031" cy="1025619"/>
         </a:xfrm>
         <a:prstGeom prst="rect">
           <a:avLst/>
@@ -3120,12 +3126,12 @@
         </a:fontRef>
       </dsp:style>
       <dsp:txBody>
-        <a:bodyPr spcFirstLastPara="0" vert="horz" wrap="square" lIns="17145" tIns="17145" rIns="17145" bIns="17145" numCol="1" spcCol="1270" anchor="ctr" anchorCtr="0">
+        <a:bodyPr spcFirstLastPara="0" vert="horz" wrap="square" lIns="19050" tIns="19050" rIns="19050" bIns="19050" numCol="1" spcCol="1270" anchor="ctr" anchorCtr="0">
           <a:noAutofit/>
         </a:bodyPr>
         <a:lstStyle/>
         <a:p>
-          <a:pPr marL="0" lvl="0" indent="0" algn="ctr" defTabSz="1200150">
+          <a:pPr marL="0" lvl="0" indent="0" algn="ctr" defTabSz="1333500">
             <a:lnSpc>
               <a:spcPct val="90000"/>
             </a:lnSpc>
@@ -3138,26 +3144,26 @@
             <a:buNone/>
           </a:pPr>
           <a:r>
-            <a:rPr lang="es-CO" sz="2700" kern="1200" dirty="0" err="1"/>
+            <a:rPr lang="es-CO" sz="3000" kern="1200" dirty="0" err="1"/>
             <a:t>connectionsGr</a:t>
           </a:r>
           <a:r>
-            <a:rPr lang="es-CO" sz="2700" kern="1200" dirty="0"/>
+            <a:rPr lang="es-CO" sz="3000" kern="1200" dirty="0"/>
             <a:t> (</a:t>
           </a:r>
           <a:r>
-            <a:rPr lang="es-CO" sz="2700" kern="1200" dirty="0" err="1"/>
+            <a:rPr lang="es-CO" sz="3000" kern="1200" dirty="0" err="1"/>
             <a:t>graph</a:t>
           </a:r>
           <a:r>
-            <a:rPr lang="es-CO" sz="2700" kern="1200" dirty="0"/>
+            <a:rPr lang="es-CO" sz="3000" kern="1200" dirty="0"/>
             <a:t>)</a:t>
           </a:r>
         </a:p>
       </dsp:txBody>
       <dsp:txXfrm>
-        <a:off x="1576780" y="2953092"/>
-        <a:ext cx="3121954" cy="951815"/>
+        <a:off x="1698992" y="2916190"/>
+        <a:ext cx="3364031" cy="1025619"/>
       </dsp:txXfrm>
     </dsp:sp>
     <dsp:sp modelId="{052431C2-5286-4185-A8F5-10F43B81B88C}">
@@ -3167,8 +3173,8 @@
       </dsp:nvSpPr>
       <dsp:spPr>
         <a:xfrm>
-          <a:off x="5323125" y="2953092"/>
-          <a:ext cx="3121954" cy="951815"/>
+          <a:off x="5735829" y="2916190"/>
+          <a:ext cx="3364031" cy="1025619"/>
         </a:xfrm>
         <a:prstGeom prst="rect">
           <a:avLst/>
@@ -3210,12 +3216,12 @@
         </a:fontRef>
       </dsp:style>
       <dsp:txBody>
-        <a:bodyPr spcFirstLastPara="0" vert="horz" wrap="square" lIns="17145" tIns="17145" rIns="17145" bIns="17145" numCol="1" spcCol="1270" anchor="ctr" anchorCtr="0">
+        <a:bodyPr spcFirstLastPara="0" vert="horz" wrap="square" lIns="19050" tIns="19050" rIns="19050" bIns="19050" numCol="1" spcCol="1270" anchor="ctr" anchorCtr="0">
           <a:noAutofit/>
         </a:bodyPr>
         <a:lstStyle/>
         <a:p>
-          <a:pPr marL="0" lvl="0" indent="0" algn="ctr" defTabSz="1200150">
+          <a:pPr marL="0" lvl="0" indent="0" algn="ctr" defTabSz="1333500">
             <a:lnSpc>
               <a:spcPct val="90000"/>
             </a:lnSpc>
@@ -3228,34 +3234,34 @@
             <a:buNone/>
           </a:pPr>
           <a:r>
-            <a:rPr lang="es-CO" sz="2700" kern="1200" dirty="0" err="1"/>
+            <a:rPr lang="es-CO" sz="3000" kern="1200" dirty="0" err="1"/>
             <a:t>Vertex</a:t>
           </a:r>
           <a:r>
-            <a:rPr lang="es-CO" sz="2700" kern="1200" dirty="0"/>
+            <a:rPr lang="es-CO" sz="3000" kern="1200" dirty="0"/>
             <a:t> (</a:t>
           </a:r>
           <a:r>
-            <a:rPr lang="es-CO" sz="2700" kern="1200" dirty="0" err="1"/>
+            <a:rPr lang="es-CO" sz="3000" kern="1200" dirty="0" err="1"/>
             <a:t>str</a:t>
           </a:r>
           <a:r>
-            <a:rPr lang="es-CO" sz="2700" kern="1200" dirty="0"/>
+            <a:rPr lang="es-CO" sz="3000" kern="1200" dirty="0"/>
             <a:t>): &lt;</a:t>
           </a:r>
           <a:r>
-            <a:rPr lang="es-CO" sz="2700" kern="1200" dirty="0" err="1"/>
+            <a:rPr lang="es-CO" sz="3000" kern="1200" dirty="0" err="1"/>
             <a:t>landing_id</a:t>
           </a:r>
           <a:r>
-            <a:rPr lang="es-CO" sz="2700" kern="1200" dirty="0"/>
+            <a:rPr lang="es-CO" sz="3000" kern="1200" dirty="0"/>
             <a:t>&gt;-&lt;cable&gt;</a:t>
           </a:r>
         </a:p>
       </dsp:txBody>
       <dsp:txXfrm>
-        <a:off x="5323125" y="2953092"/>
-        <a:ext cx="3121954" cy="951815"/>
+        <a:off x="5735829" y="2916190"/>
+        <a:ext cx="3364031" cy="1025619"/>
       </dsp:txXfrm>
     </dsp:sp>
     <dsp:sp modelId="{1A58E947-AC6B-4F3B-91C8-09110243474D}">
@@ -3265,8 +3271,8 @@
       </dsp:nvSpPr>
       <dsp:spPr>
         <a:xfrm>
-          <a:off x="1576780" y="4737746"/>
-          <a:ext cx="3121954" cy="951815"/>
+          <a:off x="1698992" y="4839226"/>
+          <a:ext cx="3364031" cy="1025619"/>
         </a:xfrm>
         <a:prstGeom prst="rect">
           <a:avLst/>
@@ -3308,12 +3314,12 @@
         </a:fontRef>
       </dsp:style>
       <dsp:txBody>
-        <a:bodyPr spcFirstLastPara="0" vert="horz" wrap="square" lIns="17145" tIns="17145" rIns="17145" bIns="17145" numCol="1" spcCol="1270" anchor="ctr" anchorCtr="0">
+        <a:bodyPr spcFirstLastPara="0" vert="horz" wrap="square" lIns="19050" tIns="19050" rIns="19050" bIns="19050" numCol="1" spcCol="1270" anchor="ctr" anchorCtr="0">
           <a:noAutofit/>
         </a:bodyPr>
         <a:lstStyle/>
         <a:p>
-          <a:pPr marL="0" lvl="0" indent="0" algn="ctr" defTabSz="1200150">
+          <a:pPr marL="0" lvl="0" indent="0" algn="ctr" defTabSz="1333500">
             <a:lnSpc>
               <a:spcPct val="90000"/>
             </a:lnSpc>
@@ -3326,26 +3332,26 @@
             <a:buNone/>
           </a:pPr>
           <a:r>
-            <a:rPr lang="es-CO" sz="2700" kern="1200" dirty="0" err="1"/>
+            <a:rPr lang="es-CO" sz="3000" kern="1200" dirty="0" err="1"/>
             <a:t>countries</a:t>
           </a:r>
           <a:r>
-            <a:rPr lang="es-CO" sz="2700" kern="1200" dirty="0"/>
+            <a:rPr lang="es-CO" sz="3000" kern="1200" dirty="0"/>
             <a:t> (</a:t>
           </a:r>
           <a:r>
-            <a:rPr lang="es-CO" sz="2700" kern="1200" dirty="0" err="1"/>
+            <a:rPr lang="es-CO" sz="3000" kern="1200" dirty="0" err="1"/>
             <a:t>map</a:t>
           </a:r>
           <a:r>
-            <a:rPr lang="es-CO" sz="2700" kern="1200" dirty="0"/>
+            <a:rPr lang="es-CO" sz="3000" kern="1200" dirty="0"/>
             <a:t>)</a:t>
           </a:r>
         </a:p>
       </dsp:txBody>
       <dsp:txXfrm>
-        <a:off x="1576780" y="4737746"/>
-        <a:ext cx="3121954" cy="951815"/>
+        <a:off x="1698992" y="4839226"/>
+        <a:ext cx="3364031" cy="1025619"/>
       </dsp:txXfrm>
     </dsp:sp>
     <dsp:sp modelId="{BAC26FDA-CEC4-461D-9B2A-0C768CD153CB}">
@@ -3355,8 +3361,8 @@
       </dsp:nvSpPr>
       <dsp:spPr>
         <a:xfrm>
-          <a:off x="5323125" y="4142861"/>
-          <a:ext cx="3121954" cy="951815"/>
+          <a:off x="5735829" y="4198214"/>
+          <a:ext cx="3364031" cy="1025619"/>
         </a:xfrm>
         <a:prstGeom prst="rect">
           <a:avLst/>
@@ -3398,12 +3404,12 @@
         </a:fontRef>
       </dsp:style>
       <dsp:txBody>
-        <a:bodyPr spcFirstLastPara="0" vert="horz" wrap="square" lIns="17145" tIns="17145" rIns="17145" bIns="17145" numCol="1" spcCol="1270" anchor="ctr" anchorCtr="0">
+        <a:bodyPr spcFirstLastPara="0" vert="horz" wrap="square" lIns="19050" tIns="19050" rIns="19050" bIns="19050" numCol="1" spcCol="1270" anchor="ctr" anchorCtr="0">
           <a:noAutofit/>
         </a:bodyPr>
         <a:lstStyle/>
         <a:p>
-          <a:pPr marL="0" lvl="0" indent="0" algn="ctr" defTabSz="1200150">
+          <a:pPr marL="0" lvl="0" indent="0" algn="ctr" defTabSz="1333500">
             <a:lnSpc>
               <a:spcPct val="90000"/>
             </a:lnSpc>
@@ -3416,27 +3422,27 @@
             <a:buNone/>
           </a:pPr>
           <a:r>
-            <a:rPr lang="es-CO" sz="2700" kern="1200" dirty="0"/>
+            <a:rPr lang="es-CO" sz="3000" kern="1200" dirty="0"/>
             <a:t>Key (</a:t>
           </a:r>
           <a:r>
-            <a:rPr lang="es-CO" sz="2700" kern="1200" dirty="0" err="1"/>
+            <a:rPr lang="es-CO" sz="3000" kern="1200" dirty="0" err="1"/>
             <a:t>str</a:t>
           </a:r>
           <a:r>
-            <a:rPr lang="es-CO" sz="2700" kern="1200" dirty="0"/>
+            <a:rPr lang="es-CO" sz="3000" kern="1200" dirty="0"/>
             <a:t>): </a:t>
           </a:r>
           <a:r>
-            <a:rPr lang="es-CO" sz="2700" kern="1200" dirty="0" err="1"/>
+            <a:rPr lang="es-CO" sz="3000" kern="1200" dirty="0" err="1"/>
             <a:t>countryName</a:t>
           </a:r>
-          <a:endParaRPr lang="es-CO" sz="2700" kern="1200" dirty="0"/>
+          <a:endParaRPr lang="es-CO" sz="3000" kern="1200" dirty="0"/>
         </a:p>
       </dsp:txBody>
       <dsp:txXfrm>
-        <a:off x="5323125" y="4142861"/>
-        <a:ext cx="3121954" cy="951815"/>
+        <a:off x="5735829" y="4198214"/>
+        <a:ext cx="3364031" cy="1025619"/>
       </dsp:txXfrm>
     </dsp:sp>
     <dsp:sp modelId="{C07AF26C-7E09-4372-91CC-DA2E789945EB}">
@@ -3446,8 +3452,8 @@
       </dsp:nvSpPr>
       <dsp:spPr>
         <a:xfrm>
-          <a:off x="5323125" y="5332630"/>
-          <a:ext cx="3121954" cy="951815"/>
+          <a:off x="5735829" y="5480238"/>
+          <a:ext cx="3364031" cy="1025619"/>
         </a:xfrm>
         <a:prstGeom prst="rect">
           <a:avLst/>
@@ -3489,12 +3495,12 @@
         </a:fontRef>
       </dsp:style>
       <dsp:txBody>
-        <a:bodyPr spcFirstLastPara="0" vert="horz" wrap="square" lIns="17145" tIns="17145" rIns="17145" bIns="17145" numCol="1" spcCol="1270" anchor="ctr" anchorCtr="0">
+        <a:bodyPr spcFirstLastPara="0" vert="horz" wrap="square" lIns="19050" tIns="19050" rIns="19050" bIns="19050" numCol="1" spcCol="1270" anchor="ctr" anchorCtr="0">
           <a:noAutofit/>
         </a:bodyPr>
         <a:lstStyle/>
         <a:p>
-          <a:pPr marL="0" lvl="0" indent="0" algn="ctr" defTabSz="1200150">
+          <a:pPr marL="0" lvl="0" indent="0" algn="ctr" defTabSz="1333500">
             <a:lnSpc>
               <a:spcPct val="90000"/>
             </a:lnSpc>
@@ -3507,22 +3513,22 @@
             <a:buNone/>
           </a:pPr>
           <a:r>
-            <a:rPr lang="es-CO" sz="2700" kern="1200" dirty="0"/>
+            <a:rPr lang="es-CO" sz="3000" kern="1200" dirty="0"/>
             <a:t>Val (</a:t>
           </a:r>
           <a:r>
-            <a:rPr lang="es-CO" sz="2700" kern="1200" dirty="0" err="1"/>
+            <a:rPr lang="es-CO" sz="3000" kern="1200" dirty="0" err="1"/>
             <a:t>dict</a:t>
           </a:r>
           <a:r>
-            <a:rPr lang="es-CO" sz="2700" kern="1200" dirty="0"/>
+            <a:rPr lang="es-CO" sz="3000" kern="1200" dirty="0"/>
             <a:t>)</a:t>
           </a:r>
         </a:p>
       </dsp:txBody>
       <dsp:txXfrm>
-        <a:off x="5323125" y="5332630"/>
-        <a:ext cx="3121954" cy="951815"/>
+        <a:off x="5735829" y="5480238"/>
+        <a:ext cx="3364031" cy="1025619"/>
       </dsp:txXfrm>
     </dsp:sp>
     <dsp:sp modelId="{2A602DAA-F3E1-4B93-AD38-AE4BCD48E8A3}">
@@ -3532,8 +3538,8 @@
       </dsp:nvSpPr>
       <dsp:spPr>
         <a:xfrm>
-          <a:off x="9069471" y="5332630"/>
-          <a:ext cx="3121954" cy="951815"/>
+          <a:off x="9772667" y="5480238"/>
+          <a:ext cx="3364031" cy="1025619"/>
         </a:xfrm>
         <a:prstGeom prst="rect">
           <a:avLst/>
@@ -3575,12 +3581,12 @@
         </a:fontRef>
       </dsp:style>
       <dsp:txBody>
-        <a:bodyPr spcFirstLastPara="0" vert="horz" wrap="square" lIns="17145" tIns="17145" rIns="17145" bIns="17145" numCol="1" spcCol="1270" anchor="ctr" anchorCtr="0">
+        <a:bodyPr spcFirstLastPara="0" vert="horz" wrap="square" lIns="19050" tIns="19050" rIns="19050" bIns="19050" numCol="1" spcCol="1270" anchor="ctr" anchorCtr="0">
           <a:noAutofit/>
         </a:bodyPr>
         <a:lstStyle/>
         <a:p>
-          <a:pPr marL="0" lvl="0" indent="0" algn="ctr" defTabSz="1200150">
+          <a:pPr marL="0" lvl="0" indent="0" algn="ctr" defTabSz="1333500">
             <a:lnSpc>
               <a:spcPct val="90000"/>
             </a:lnSpc>
@@ -3593,35 +3599,35 @@
             <a:buNone/>
           </a:pPr>
           <a:r>
-            <a:rPr lang="es-CO" sz="2700" kern="1200" dirty="0"/>
+            <a:rPr lang="es-CO" sz="3000" kern="1200" dirty="0"/>
             <a:t>Info + </a:t>
           </a:r>
           <a:r>
-            <a:rPr lang="es-CO" sz="2700" kern="1200" dirty="0" err="1"/>
+            <a:rPr lang="es-CO" sz="3000" kern="1200" dirty="0" err="1"/>
             <a:t>landing</a:t>
           </a:r>
           <a:r>
-            <a:rPr lang="es-CO" sz="2700" kern="1200" dirty="0"/>
+            <a:rPr lang="es-CO" sz="3000" kern="1200" dirty="0"/>
             <a:t> </a:t>
           </a:r>
           <a:r>
-            <a:rPr lang="es-CO" sz="2700" kern="1200" dirty="0" err="1"/>
+            <a:rPr lang="es-CO" sz="3000" kern="1200" dirty="0" err="1"/>
             <a:t>points</a:t>
           </a:r>
           <a:r>
-            <a:rPr lang="es-CO" sz="2700" kern="1200" dirty="0"/>
+            <a:rPr lang="es-CO" sz="3000" kern="1200" dirty="0"/>
             <a:t> </a:t>
           </a:r>
           <a:r>
-            <a:rPr lang="es-CO" sz="2700" kern="1200" dirty="0" err="1"/>
+            <a:rPr lang="es-CO" sz="3000" kern="1200" dirty="0" err="1"/>
             <a:t>list</a:t>
           </a:r>
-          <a:endParaRPr lang="es-CO" sz="2700" kern="1200" dirty="0"/>
+          <a:endParaRPr lang="es-CO" sz="3000" kern="1200" dirty="0"/>
         </a:p>
       </dsp:txBody>
       <dsp:txXfrm>
-        <a:off x="9069471" y="5332630"/>
-        <a:ext cx="3121954" cy="951815"/>
+        <a:off x="9772667" y="5480238"/>
+        <a:ext cx="3364031" cy="1025619"/>
       </dsp:txXfrm>
     </dsp:sp>
   </dsp:spTree>
@@ -5134,7 +5140,7 @@
           <a:p>
             <a:fld id="{6BB7F603-D8A1-4963-A622-D6A61098344E}" type="datetimeFigureOut">
               <a:rPr lang="es-CO" smtClean="0"/>
-              <a:t>29/07/2021</a:t>
+              <a:t>30/07/21</a:t>
             </a:fld>
             <a:endParaRPr lang="es-CO"/>
           </a:p>
@@ -5334,7 +5340,7 @@
           <a:p>
             <a:fld id="{6BB7F603-D8A1-4963-A622-D6A61098344E}" type="datetimeFigureOut">
               <a:rPr lang="es-CO" smtClean="0"/>
-              <a:t>29/07/2021</a:t>
+              <a:t>30/07/21</a:t>
             </a:fld>
             <a:endParaRPr lang="es-CO"/>
           </a:p>
@@ -5544,7 +5550,7 @@
           <a:p>
             <a:fld id="{6BB7F603-D8A1-4963-A622-D6A61098344E}" type="datetimeFigureOut">
               <a:rPr lang="es-CO" smtClean="0"/>
-              <a:t>29/07/2021</a:t>
+              <a:t>30/07/21</a:t>
             </a:fld>
             <a:endParaRPr lang="es-CO"/>
           </a:p>
@@ -5744,7 +5750,7 @@
           <a:p>
             <a:fld id="{6BB7F603-D8A1-4963-A622-D6A61098344E}" type="datetimeFigureOut">
               <a:rPr lang="es-CO" smtClean="0"/>
-              <a:t>29/07/2021</a:t>
+              <a:t>30/07/21</a:t>
             </a:fld>
             <a:endParaRPr lang="es-CO"/>
           </a:p>
@@ -6020,7 +6026,7 @@
           <a:p>
             <a:fld id="{6BB7F603-D8A1-4963-A622-D6A61098344E}" type="datetimeFigureOut">
               <a:rPr lang="es-CO" smtClean="0"/>
-              <a:t>29/07/2021</a:t>
+              <a:t>30/07/21</a:t>
             </a:fld>
             <a:endParaRPr lang="es-CO"/>
           </a:p>
@@ -6288,7 +6294,7 @@
           <a:p>
             <a:fld id="{6BB7F603-D8A1-4963-A622-D6A61098344E}" type="datetimeFigureOut">
               <a:rPr lang="es-CO" smtClean="0"/>
-              <a:t>29/07/2021</a:t>
+              <a:t>30/07/21</a:t>
             </a:fld>
             <a:endParaRPr lang="es-CO"/>
           </a:p>
@@ -6703,7 +6709,7 @@
           <a:p>
             <a:fld id="{6BB7F603-D8A1-4963-A622-D6A61098344E}" type="datetimeFigureOut">
               <a:rPr lang="es-CO" smtClean="0"/>
-              <a:t>29/07/2021</a:t>
+              <a:t>30/07/21</a:t>
             </a:fld>
             <a:endParaRPr lang="es-CO"/>
           </a:p>
@@ -6845,7 +6851,7 @@
           <a:p>
             <a:fld id="{6BB7F603-D8A1-4963-A622-D6A61098344E}" type="datetimeFigureOut">
               <a:rPr lang="es-CO" smtClean="0"/>
-              <a:t>29/07/2021</a:t>
+              <a:t>30/07/21</a:t>
             </a:fld>
             <a:endParaRPr lang="es-CO"/>
           </a:p>
@@ -6958,7 +6964,7 @@
           <a:p>
             <a:fld id="{6BB7F603-D8A1-4963-A622-D6A61098344E}" type="datetimeFigureOut">
               <a:rPr lang="es-CO" smtClean="0"/>
-              <a:t>29/07/2021</a:t>
+              <a:t>30/07/21</a:t>
             </a:fld>
             <a:endParaRPr lang="es-CO"/>
           </a:p>
@@ -7271,7 +7277,7 @@
           <a:p>
             <a:fld id="{6BB7F603-D8A1-4963-A622-D6A61098344E}" type="datetimeFigureOut">
               <a:rPr lang="es-CO" smtClean="0"/>
-              <a:t>29/07/2021</a:t>
+              <a:t>30/07/21</a:t>
             </a:fld>
             <a:endParaRPr lang="es-CO"/>
           </a:p>
@@ -7560,7 +7566,7 @@
           <a:p>
             <a:fld id="{6BB7F603-D8A1-4963-A622-D6A61098344E}" type="datetimeFigureOut">
               <a:rPr lang="es-CO" smtClean="0"/>
-              <a:t>29/07/2021</a:t>
+              <a:t>30/07/21</a:t>
             </a:fld>
             <a:endParaRPr lang="es-CO"/>
           </a:p>
@@ -7803,7 +7809,7 @@
           <a:p>
             <a:fld id="{6BB7F603-D8A1-4963-A622-D6A61098344E}" type="datetimeFigureOut">
               <a:rPr lang="es-CO" smtClean="0"/>
-              <a:t>29/07/2021</a:t>
+              <a:t>30/07/21</a:t>
             </a:fld>
             <a:endParaRPr lang="es-CO"/>
           </a:p>
@@ -8233,14 +8239,14 @@
           <p:nvPr>
             <p:extLst>
               <p:ext uri="{D42A27DB-BD31-4B8C-83A1-F6EECF244321}">
-                <p14:modId xmlns:p14="http://schemas.microsoft.com/office/powerpoint/2010/main" val="961817792"/>
+                <p14:modId xmlns:p14="http://schemas.microsoft.com/office/powerpoint/2010/main" val="7088356"/>
               </p:ext>
             </p:extLst>
           </p:nvPr>
         </p:nvGraphicFramePr>
         <p:xfrm>
-          <a:off x="0" y="0"/>
-          <a:ext cx="12192000" cy="6858000"/>
+          <a:off x="-532435" y="0"/>
+          <a:ext cx="13137265" cy="6858000"/>
         </p:xfrm>
         <a:graphic>
           <a:graphicData uri="http://schemas.openxmlformats.org/drawingml/2006/diagram">
